--- a/Data_Analytics_2018/PPT/Lesson 13 - Data Analytics - Description and Variance.pptx
+++ b/Data_Analytics_2018/PPT/Lesson 13 - Data Analytics - Description and Variance.pptx
@@ -2,7 +2,7 @@
 <file path=ppt/presentation.xml><?xml version="1.0" encoding="utf-8"?>
 <p:presentation xmlns:a="http://schemas.openxmlformats.org/drawingml/2006/main" xmlns:r="http://schemas.openxmlformats.org/officeDocument/2006/relationships" xmlns:p="http://schemas.openxmlformats.org/presentationml/2006/main" showSpecialPlsOnTitleSld="0" saveSubsetFonts="1">
   <p:sldMasterIdLst>
-    <p:sldMasterId id="2147483661" r:id="rId1"/>
+    <p:sldMasterId id="2147483674" r:id="rId1"/>
   </p:sldMasterIdLst>
   <p:notesMasterIdLst>
     <p:notesMasterId r:id="rId33"/>
@@ -233,7 +233,7 @@
           <a:p>
             <a:fld id="{12E2E0BF-1E19-48CE-A5B4-11AA1325EE0B}" type="datetimeFigureOut">
               <a:rPr lang="en-US" smtClean="0"/>
-              <a:t>8/1/2018</a:t>
+              <a:t>8/11/2018</a:t>
             </a:fld>
             <a:endParaRPr lang="en-US" dirty="0"/>
           </a:p>
@@ -398,7 +398,7 @@
           <a:p>
             <a:fld id="{B3E6BC81-1184-4954-A4F1-6E56C89D84BE}" type="datetimeFigureOut">
               <a:rPr lang="en-US" smtClean="0"/>
-              <a:t>8/1/2018</a:t>
+              <a:t>8/11/2018</a:t>
             </a:fld>
             <a:endParaRPr lang="en-US" dirty="0"/>
           </a:p>
@@ -798,7 +798,7 @@
         </p:nvSpPr>
         <p:spPr>
           <a:xfrm>
-            <a:off x="152400" y="6443433"/>
+            <a:off x="152400" y="6485768"/>
             <a:ext cx="2743200" cy="365125"/>
           </a:xfrm>
         </p:spPr>
@@ -808,7 +808,7 @@
           <a:p>
             <a:fld id="{A24D462D-0ABF-4F66-AA29-FCADD808DF8B}" type="datetime1">
               <a:rPr lang="en-US" smtClean="0"/>
-              <a:t>8/1/2018</a:t>
+              <a:t>8/11/2018</a:t>
             </a:fld>
             <a:endParaRPr lang="en-US" dirty="0"/>
           </a:p>
@@ -826,7 +826,7 @@
         </p:nvSpPr>
         <p:spPr>
           <a:xfrm>
-            <a:off x="4038600" y="6443434"/>
+            <a:off x="4038600" y="6485769"/>
             <a:ext cx="4114800" cy="365125"/>
           </a:xfrm>
         </p:spPr>
@@ -854,7 +854,7 @@
         </p:nvSpPr>
         <p:spPr>
           <a:xfrm>
-            <a:off x="9361714" y="6443432"/>
+            <a:off x="9361714" y="6485767"/>
             <a:ext cx="2743200" cy="365125"/>
           </a:xfrm>
         </p:spPr>
@@ -873,7 +873,7 @@
     </p:spTree>
     <p:extLst>
       <p:ext uri="{BB962C8B-B14F-4D97-AF65-F5344CB8AC3E}">
-        <p14:creationId xmlns:p14="http://schemas.microsoft.com/office/powerpoint/2010/main" val="935974669"/>
+        <p14:creationId xmlns:p14="http://schemas.microsoft.com/office/powerpoint/2010/main" val="826127322"/>
       </p:ext>
     </p:extLst>
   </p:cSld>
@@ -1078,7 +1078,7 @@
           <a:p>
             <a:fld id="{E07E8265-18F4-4680-A16E-90ED1CF19BF4}" type="datetime1">
               <a:rPr lang="en-US" smtClean="0"/>
-              <a:t>8/1/2018</a:t>
+              <a:t>8/11/2018</a:t>
             </a:fld>
             <a:endParaRPr lang="en-US" dirty="0"/>
           </a:p>
@@ -1133,7 +1133,7 @@
     </p:spTree>
     <p:extLst>
       <p:ext uri="{BB962C8B-B14F-4D97-AF65-F5344CB8AC3E}">
-        <p14:creationId xmlns:p14="http://schemas.microsoft.com/office/powerpoint/2010/main" val="1209780697"/>
+        <p14:creationId xmlns:p14="http://schemas.microsoft.com/office/powerpoint/2010/main" val="3532338177"/>
       </p:ext>
     </p:extLst>
   </p:cSld>
@@ -1255,7 +1255,7 @@
           <a:p>
             <a:fld id="{50A3F95B-AA19-4AF1-8E3F-0C1F80E644D7}" type="datetime1">
               <a:rPr lang="en-US" smtClean="0"/>
-              <a:t>8/1/2018</a:t>
+              <a:t>8/11/2018</a:t>
             </a:fld>
             <a:endParaRPr lang="en-US" dirty="0"/>
           </a:p>
@@ -1310,7 +1310,7 @@
     </p:spTree>
     <p:extLst>
       <p:ext uri="{BB962C8B-B14F-4D97-AF65-F5344CB8AC3E}">
-        <p14:creationId xmlns:p14="http://schemas.microsoft.com/office/powerpoint/2010/main" val="3675560682"/>
+        <p14:creationId xmlns:p14="http://schemas.microsoft.com/office/powerpoint/2010/main" val="4272787671"/>
       </p:ext>
     </p:extLst>
   </p:cSld>
@@ -1437,7 +1437,7 @@
           <a:p>
             <a:fld id="{CCDBCEF4-92B1-4F4B-B523-BAFBFD103FD6}" type="datetime1">
               <a:rPr lang="en-US" smtClean="0"/>
-              <a:t>8/1/2018</a:t>
+              <a:t>8/11/2018</a:t>
             </a:fld>
             <a:endParaRPr lang="en-US" dirty="0"/>
           </a:p>
@@ -1492,7 +1492,7 @@
     </p:spTree>
     <p:extLst>
       <p:ext uri="{BB962C8B-B14F-4D97-AF65-F5344CB8AC3E}">
-        <p14:creationId xmlns:p14="http://schemas.microsoft.com/office/powerpoint/2010/main" val="751103308"/>
+        <p14:creationId xmlns:p14="http://schemas.microsoft.com/office/powerpoint/2010/main" val="2147223558"/>
       </p:ext>
     </p:extLst>
   </p:cSld>
@@ -1663,7 +1663,7 @@
             <a:fld id="{13570084-B57A-493D-8A30-572F2D9F55F8}" type="datetime1">
               <a:rPr lang="en-US" smtClean="0"/>
               <a:pPr/>
-              <a:t>8/1/2018</a:t>
+              <a:t>8/11/2018</a:t>
             </a:fld>
             <a:endParaRPr lang="en-US" dirty="0"/>
           </a:p>
@@ -1745,7 +1745,7 @@
           <p:cNvPr id="7" name="Straight Connector 6">
             <a:extLst>
               <a:ext uri="{FF2B5EF4-FFF2-40B4-BE49-F238E27FC236}">
-                <a16:creationId xmlns:a16="http://schemas.microsoft.com/office/drawing/2014/main" id="{9C97454A-EFEF-4511-A4FB-9794FC4C9D6B}"/>
+                <a16:creationId xmlns:a16="http://schemas.microsoft.com/office/drawing/2014/main" id="{7193F3E7-C701-4196-8AC6-4126EC0B72B6}"/>
               </a:ext>
             </a:extLst>
           </p:cNvPr>
@@ -1784,7 +1784,7 @@
     </p:spTree>
     <p:extLst>
       <p:ext uri="{BB962C8B-B14F-4D97-AF65-F5344CB8AC3E}">
-        <p14:creationId xmlns:p14="http://schemas.microsoft.com/office/powerpoint/2010/main" val="3087304091"/>
+        <p14:creationId xmlns:p14="http://schemas.microsoft.com/office/powerpoint/2010/main" val="1908886324"/>
       </p:ext>
     </p:extLst>
   </p:cSld>
@@ -1910,7 +1910,7 @@
             <a:fld id="{13570084-B57A-493D-8A30-572F2D9F55F8}" type="datetime1">
               <a:rPr lang="en-US" smtClean="0"/>
               <a:pPr/>
-              <a:t>8/1/2018</a:t>
+              <a:t>8/11/2018</a:t>
             </a:fld>
             <a:endParaRPr lang="en-US" dirty="0"/>
           </a:p>
@@ -1990,7 +1990,7 @@
     </p:spTree>
     <p:extLst>
       <p:ext uri="{BB962C8B-B14F-4D97-AF65-F5344CB8AC3E}">
-        <p14:creationId xmlns:p14="http://schemas.microsoft.com/office/powerpoint/2010/main" val="918759459"/>
+        <p14:creationId xmlns:p14="http://schemas.microsoft.com/office/powerpoint/2010/main" val="2905317320"/>
       </p:ext>
     </p:extLst>
   </p:cSld>
@@ -2189,7 +2189,7 @@
           <a:p>
             <a:fld id="{8F7D0969-017A-4CFD-B470-B6959400D96E}" type="datetime1">
               <a:rPr lang="en-US" smtClean="0"/>
-              <a:t>8/1/2018</a:t>
+              <a:t>8/11/2018</a:t>
             </a:fld>
             <a:endParaRPr lang="en-US" dirty="0"/>
           </a:p>
@@ -2244,7 +2244,7 @@
     </p:spTree>
     <p:extLst>
       <p:ext uri="{BB962C8B-B14F-4D97-AF65-F5344CB8AC3E}">
-        <p14:creationId xmlns:p14="http://schemas.microsoft.com/office/powerpoint/2010/main" val="3608950697"/>
+        <p14:creationId xmlns:p14="http://schemas.microsoft.com/office/powerpoint/2010/main" val="4157472245"/>
       </p:ext>
     </p:extLst>
   </p:cSld>
@@ -2290,6 +2290,7 @@
               <a:rPr lang="en-US"/>
               <a:t>Click to edit Master title style</a:t>
             </a:r>
+            <a:endParaRPr lang="en-US" dirty="0"/>
           </a:p>
         </p:txBody>
       </p:sp>
@@ -2305,8 +2306,8 @@
         </p:nvSpPr>
         <p:spPr>
           <a:xfrm>
-            <a:off x="838200" y="1825625"/>
-            <a:ext cx="5181600" cy="4351338"/>
+            <a:off x="406400" y="1354666"/>
+            <a:ext cx="5613400" cy="5046134"/>
           </a:xfrm>
         </p:spPr>
         <p:txBody>
@@ -2413,8 +2414,8 @@
         </p:nvSpPr>
         <p:spPr>
           <a:xfrm>
-            <a:off x="6172200" y="1825625"/>
-            <a:ext cx="5181600" cy="4351338"/>
+            <a:off x="6172199" y="1354666"/>
+            <a:ext cx="5469467" cy="5046134"/>
           </a:xfrm>
         </p:spPr>
         <p:txBody>
@@ -2454,6 +2455,7 @@
               <a:rPr lang="en-US"/>
               <a:t>Fifth level</a:t>
             </a:r>
+            <a:endParaRPr lang="en-US" dirty="0"/>
           </a:p>
         </p:txBody>
       </p:sp>
@@ -2474,7 +2476,7 @@
           <a:p>
             <a:fld id="{E7244459-F2A5-4FF9-8125-3DD79827DEF5}" type="datetime1">
               <a:rPr lang="en-US" smtClean="0"/>
-              <a:t>8/1/2018</a:t>
+              <a:t>8/11/2018</a:t>
             </a:fld>
             <a:endParaRPr lang="en-US" dirty="0"/>
           </a:p>
@@ -2529,7 +2531,7 @@
     </p:spTree>
     <p:extLst>
       <p:ext uri="{BB962C8B-B14F-4D97-AF65-F5344CB8AC3E}">
-        <p14:creationId xmlns:p14="http://schemas.microsoft.com/office/powerpoint/2010/main" val="1638083679"/>
+        <p14:creationId xmlns:p14="http://schemas.microsoft.com/office/powerpoint/2010/main" val="3398785325"/>
       </p:ext>
     </p:extLst>
   </p:cSld>
@@ -2568,8 +2570,8 @@
         </p:nvSpPr>
         <p:spPr>
           <a:xfrm>
-            <a:off x="839788" y="161926"/>
-            <a:ext cx="8536439" cy="1325563"/>
+            <a:off x="381000" y="5555"/>
+            <a:ext cx="10151533" cy="1325563"/>
           </a:xfrm>
         </p:spPr>
         <p:txBody>
@@ -2590,17 +2592,17 @@
             <a:spLocks noGrp="1"/>
           </p:cNvSpPr>
           <p:nvPr>
-            <p:ph type="body" idx="1"/>
+            <p:ph type="body" idx="1" hasCustomPrompt="1"/>
           </p:nvPr>
         </p:nvSpPr>
         <p:spPr>
           <a:xfrm>
-            <a:off x="839788" y="1681163"/>
-            <a:ext cx="5157787" cy="823912"/>
+            <a:off x="381000" y="1444096"/>
+            <a:ext cx="5616575" cy="823912"/>
           </a:xfrm>
         </p:spPr>
         <p:txBody>
-          <a:bodyPr anchor="b"/>
+          <a:bodyPr anchor="ctr"/>
           <a:lstStyle>
             <a:lvl1pPr marL="0" indent="0">
               <a:buNone/>
@@ -2642,86 +2644,86 @@
           <a:p>
             <a:pPr lvl="0"/>
             <a:r>
+              <a:rPr lang="en-US" dirty="0"/>
+              <a:t>Click to edit Master text styles</a:t>
+            </a:r>
+          </a:p>
+        </p:txBody>
+      </p:sp>
+      <p:sp>
+        <p:nvSpPr>
+          <p:cNvPr id="4" name="Content Placeholder 3"/>
+          <p:cNvSpPr>
+            <a:spLocks noGrp="1"/>
+          </p:cNvSpPr>
+          <p:nvPr>
+            <p:ph sz="half" idx="2"/>
+          </p:nvPr>
+        </p:nvSpPr>
+        <p:spPr>
+          <a:xfrm>
+            <a:off x="381000" y="2268007"/>
+            <a:ext cx="5616575" cy="4014259"/>
+          </a:xfrm>
+        </p:spPr>
+        <p:txBody>
+          <a:bodyPr/>
+          <a:lstStyle/>
+          <a:p>
+            <a:pPr lvl="0"/>
+            <a:r>
               <a:rPr lang="en-US"/>
               <a:t>Edit Master text styles</a:t>
             </a:r>
           </a:p>
-        </p:txBody>
-      </p:sp>
-      <p:sp>
-        <p:nvSpPr>
-          <p:cNvPr id="4" name="Content Placeholder 3"/>
-          <p:cNvSpPr>
-            <a:spLocks noGrp="1"/>
-          </p:cNvSpPr>
-          <p:nvPr>
-            <p:ph sz="half" idx="2"/>
+          <a:p>
+            <a:pPr lvl="1"/>
+            <a:r>
+              <a:rPr lang="en-US"/>
+              <a:t>Second level</a:t>
+            </a:r>
+          </a:p>
+          <a:p>
+            <a:pPr lvl="2"/>
+            <a:r>
+              <a:rPr lang="en-US"/>
+              <a:t>Third level</a:t>
+            </a:r>
+          </a:p>
+          <a:p>
+            <a:pPr lvl="3"/>
+            <a:r>
+              <a:rPr lang="en-US"/>
+              <a:t>Fourth level</a:t>
+            </a:r>
+          </a:p>
+          <a:p>
+            <a:pPr lvl="4"/>
+            <a:r>
+              <a:rPr lang="en-US"/>
+              <a:t>Fifth level</a:t>
+            </a:r>
+          </a:p>
+        </p:txBody>
+      </p:sp>
+      <p:sp>
+        <p:nvSpPr>
+          <p:cNvPr id="5" name="Text Placeholder 4"/>
+          <p:cNvSpPr>
+            <a:spLocks noGrp="1"/>
+          </p:cNvSpPr>
+          <p:nvPr>
+            <p:ph type="body" sz="quarter" idx="3" hasCustomPrompt="1"/>
           </p:nvPr>
         </p:nvSpPr>
         <p:spPr>
           <a:xfrm>
-            <a:off x="839788" y="2505075"/>
-            <a:ext cx="5157787" cy="3684588"/>
+            <a:off x="6172200" y="1444096"/>
+            <a:ext cx="5638800" cy="823912"/>
           </a:xfrm>
         </p:spPr>
         <p:txBody>
-          <a:bodyPr/>
-          <a:lstStyle/>
-          <a:p>
-            <a:pPr lvl="0"/>
-            <a:r>
-              <a:rPr lang="en-US"/>
-              <a:t>Edit Master text styles</a:t>
-            </a:r>
-          </a:p>
-          <a:p>
-            <a:pPr lvl="1"/>
-            <a:r>
-              <a:rPr lang="en-US"/>
-              <a:t>Second level</a:t>
-            </a:r>
-          </a:p>
-          <a:p>
-            <a:pPr lvl="2"/>
-            <a:r>
-              <a:rPr lang="en-US"/>
-              <a:t>Third level</a:t>
-            </a:r>
-          </a:p>
-          <a:p>
-            <a:pPr lvl="3"/>
-            <a:r>
-              <a:rPr lang="en-US"/>
-              <a:t>Fourth level</a:t>
-            </a:r>
-          </a:p>
-          <a:p>
-            <a:pPr lvl="4"/>
-            <a:r>
-              <a:rPr lang="en-US"/>
-              <a:t>Fifth level</a:t>
-            </a:r>
-          </a:p>
-        </p:txBody>
-      </p:sp>
-      <p:sp>
-        <p:nvSpPr>
-          <p:cNvPr id="5" name="Text Placeholder 4"/>
-          <p:cNvSpPr>
-            <a:spLocks noGrp="1"/>
-          </p:cNvSpPr>
-          <p:nvPr>
-            <p:ph type="body" sz="quarter" idx="3"/>
-          </p:nvPr>
-        </p:nvSpPr>
-        <p:spPr>
-          <a:xfrm>
-            <a:off x="6172200" y="1681163"/>
-            <a:ext cx="5183188" cy="823912"/>
-          </a:xfrm>
-        </p:spPr>
-        <p:txBody>
-          <a:bodyPr anchor="b"/>
+          <a:bodyPr anchor="ctr"/>
           <a:lstStyle>
             <a:lvl1pPr marL="0" indent="0">
               <a:buNone/>
@@ -2763,38 +2765,38 @@
           <a:p>
             <a:pPr lvl="0"/>
             <a:r>
+              <a:rPr lang="en-US" dirty="0"/>
+              <a:t>Click to edit Master text styles</a:t>
+            </a:r>
+          </a:p>
+        </p:txBody>
+      </p:sp>
+      <p:sp>
+        <p:nvSpPr>
+          <p:cNvPr id="6" name="Content Placeholder 5"/>
+          <p:cNvSpPr>
+            <a:spLocks noGrp="1"/>
+          </p:cNvSpPr>
+          <p:nvPr>
+            <p:ph sz="quarter" idx="4"/>
+          </p:nvPr>
+        </p:nvSpPr>
+        <p:spPr>
+          <a:xfrm>
+            <a:off x="6172199" y="2268007"/>
+            <a:ext cx="5616575" cy="4014259"/>
+          </a:xfrm>
+        </p:spPr>
+        <p:txBody>
+          <a:bodyPr/>
+          <a:lstStyle/>
+          <a:p>
+            <a:pPr lvl="0"/>
+            <a:r>
               <a:rPr lang="en-US"/>
               <a:t>Edit Master text styles</a:t>
             </a:r>
           </a:p>
-        </p:txBody>
-      </p:sp>
-      <p:sp>
-        <p:nvSpPr>
-          <p:cNvPr id="6" name="Content Placeholder 5"/>
-          <p:cNvSpPr>
-            <a:spLocks noGrp="1"/>
-          </p:cNvSpPr>
-          <p:nvPr>
-            <p:ph sz="quarter" idx="4"/>
-          </p:nvPr>
-        </p:nvSpPr>
-        <p:spPr>
-          <a:xfrm>
-            <a:off x="6172200" y="2505075"/>
-            <a:ext cx="5183188" cy="3684588"/>
-          </a:xfrm>
-        </p:spPr>
-        <p:txBody>
-          <a:bodyPr/>
-          <a:lstStyle/>
-          <a:p>
-            <a:pPr lvl="0"/>
-            <a:r>
-              <a:rPr lang="en-US"/>
-              <a:t>Edit Master text styles</a:t>
-            </a:r>
-          </a:p>
           <a:p>
             <a:pPr lvl="1"/>
             <a:r>
@@ -2842,7 +2844,7 @@
           <a:p>
             <a:fld id="{B3A53202-F90A-473F-9577-0694CB3DE811}" type="datetime1">
               <a:rPr lang="en-US" smtClean="0"/>
-              <a:t>8/1/2018</a:t>
+              <a:t>8/11/2018</a:t>
             </a:fld>
             <a:endParaRPr lang="en-US" dirty="0"/>
           </a:p>
@@ -2897,7 +2899,7 @@
     </p:spTree>
     <p:extLst>
       <p:ext uri="{BB962C8B-B14F-4D97-AF65-F5344CB8AC3E}">
-        <p14:creationId xmlns:p14="http://schemas.microsoft.com/office/powerpoint/2010/main" val="3319812800"/>
+        <p14:creationId xmlns:p14="http://schemas.microsoft.com/office/powerpoint/2010/main" val="999013928"/>
       </p:ext>
     </p:extLst>
   </p:cSld>
@@ -2977,7 +2979,7 @@
             <a:fld id="{64FA1387-E9BD-4269-B052-15A23CD1D16B}" type="datetime1">
               <a:rPr lang="en-US" smtClean="0"/>
               <a:pPr/>
-              <a:t>8/1/2018</a:t>
+              <a:t>8/11/2018</a:t>
             </a:fld>
             <a:endParaRPr lang="en-US" dirty="0"/>
           </a:p>
@@ -3057,7 +3059,7 @@
     </p:spTree>
     <p:extLst>
       <p:ext uri="{BB962C8B-B14F-4D97-AF65-F5344CB8AC3E}">
-        <p14:creationId xmlns:p14="http://schemas.microsoft.com/office/powerpoint/2010/main" val="1411707149"/>
+        <p14:creationId xmlns:p14="http://schemas.microsoft.com/office/powerpoint/2010/main" val="2973493213"/>
       </p:ext>
     </p:extLst>
   </p:cSld>
@@ -3101,7 +3103,7 @@
           <a:p>
             <a:fld id="{A197E209-8033-4044-BA05-35D0B8A61D52}" type="datetime1">
               <a:rPr lang="en-US" smtClean="0"/>
-              <a:t>8/1/2018</a:t>
+              <a:t>8/11/2018</a:t>
             </a:fld>
             <a:endParaRPr lang="en-US" dirty="0"/>
           </a:p>
@@ -3156,7 +3158,7 @@
     </p:spTree>
     <p:extLst>
       <p:ext uri="{BB962C8B-B14F-4D97-AF65-F5344CB8AC3E}">
-        <p14:creationId xmlns:p14="http://schemas.microsoft.com/office/powerpoint/2010/main" val="111170875"/>
+        <p14:creationId xmlns:p14="http://schemas.microsoft.com/office/powerpoint/2010/main" val="964350751"/>
       </p:ext>
     </p:extLst>
   </p:cSld>
@@ -3380,7 +3382,7 @@
           <a:p>
             <a:fld id="{488CFC0E-11F7-458D-9C54-1B7C7C814EDD}" type="datetime1">
               <a:rPr lang="en-US" smtClean="0"/>
-              <a:t>8/1/2018</a:t>
+              <a:t>8/11/2018</a:t>
             </a:fld>
             <a:endParaRPr lang="en-US" dirty="0"/>
           </a:p>
@@ -3435,7 +3437,7 @@
     </p:spTree>
     <p:extLst>
       <p:ext uri="{BB962C8B-B14F-4D97-AF65-F5344CB8AC3E}">
-        <p14:creationId xmlns:p14="http://schemas.microsoft.com/office/powerpoint/2010/main" val="1534909086"/>
+        <p14:creationId xmlns:p14="http://schemas.microsoft.com/office/powerpoint/2010/main" val="3182540247"/>
       </p:ext>
     </p:extLst>
   </p:cSld>
@@ -3612,8 +3614,8 @@
         </p:nvSpPr>
         <p:spPr>
           <a:xfrm>
-            <a:off x="406400" y="91440"/>
-            <a:ext cx="11393714" cy="1234123"/>
+            <a:off x="406400" y="6770"/>
+            <a:ext cx="10049933" cy="1234123"/>
           </a:xfrm>
           <a:prstGeom prst="rect">
             <a:avLst/>
@@ -3644,8 +3646,8 @@
         </p:nvSpPr>
         <p:spPr>
           <a:xfrm>
-            <a:off x="406400" y="1489166"/>
-            <a:ext cx="11393714" cy="4687797"/>
+            <a:off x="406400" y="1337187"/>
+            <a:ext cx="11393714" cy="5064803"/>
           </a:xfrm>
           <a:prstGeom prst="rect">
             <a:avLst/>
@@ -3728,7 +3730,7 @@
             <a:fld id="{DA3380A9-99D8-412F-8F98-2C2792A83619}" type="datetime1">
               <a:rPr lang="en-US" smtClean="0"/>
               <a:pPr/>
-              <a:t>8/1/2018</a:t>
+              <a:t>8/11/2018</a:t>
             </a:fld>
             <a:endParaRPr lang="en-US" dirty="0"/>
           </a:p>
@@ -3854,27 +3856,70 @@
           </a:fontRef>
         </p:style>
       </p:cxnSp>
+      <p:pic>
+        <p:nvPicPr>
+          <p:cNvPr id="10" name="Picture 9" descr="A close up of a sign&#10;&#10;Description generated with very high confidence">
+            <a:extLst>
+              <a:ext uri="{FF2B5EF4-FFF2-40B4-BE49-F238E27FC236}">
+                <a16:creationId xmlns:a16="http://schemas.microsoft.com/office/drawing/2014/main" id="{6D9D6532-6138-406D-8115-7BAFD8D73FEB}"/>
+              </a:ext>
+            </a:extLst>
+          </p:cNvPr>
+          <p:cNvPicPr>
+            <a:picLocks noChangeAspect="1"/>
+          </p:cNvPicPr>
+          <p:nvPr/>
+        </p:nvPicPr>
+        <p:blipFill>
+          <a:blip r:embed="rId16">
+            <a:duotone>
+              <a:schemeClr val="bg2">
+                <a:shade val="45000"/>
+                <a:satMod val="135000"/>
+              </a:schemeClr>
+              <a:prstClr val="white"/>
+            </a:duotone>
+            <a:extLst>
+              <a:ext uri="{28A0092B-C50C-407E-A947-70E740481C1C}">
+                <a14:useLocalDpi xmlns:a14="http://schemas.microsoft.com/office/drawing/2010/main" val="0"/>
+              </a:ext>
+            </a:extLst>
+          </a:blip>
+          <a:stretch>
+            <a:fillRect/>
+          </a:stretch>
+        </p:blipFill>
+        <p:spPr>
+          <a:xfrm>
+            <a:off x="10634133" y="96294"/>
+            <a:ext cx="1165981" cy="1229580"/>
+          </a:xfrm>
+          <a:prstGeom prst="rect">
+            <a:avLst/>
+          </a:prstGeom>
+        </p:spPr>
+      </p:pic>
     </p:spTree>
     <p:extLst>
       <p:ext uri="{BB962C8B-B14F-4D97-AF65-F5344CB8AC3E}">
-        <p14:creationId xmlns:p14="http://schemas.microsoft.com/office/powerpoint/2010/main" val="3260690905"/>
+        <p14:creationId xmlns:p14="http://schemas.microsoft.com/office/powerpoint/2010/main" val="140898512"/>
       </p:ext>
     </p:extLst>
   </p:cSld>
   <p:clrMap bg1="lt1" tx1="dk1" bg2="lt2" tx2="dk2" accent1="accent1" accent2="accent2" accent3="accent3" accent4="accent4" accent5="accent5" accent6="accent6" hlink="hlink" folHlink="folHlink"/>
   <p:sldLayoutIdLst>
-    <p:sldLayoutId id="2147483662" r:id="rId1"/>
-    <p:sldLayoutId id="2147483663" r:id="rId2"/>
-    <p:sldLayoutId id="2147483664" r:id="rId3"/>
-    <p:sldLayoutId id="2147483665" r:id="rId4"/>
-    <p:sldLayoutId id="2147483666" r:id="rId5"/>
-    <p:sldLayoutId id="2147483667" r:id="rId6"/>
-    <p:sldLayoutId id="2147483668" r:id="rId7"/>
-    <p:sldLayoutId id="2147483669" r:id="rId8"/>
-    <p:sldLayoutId id="2147483670" r:id="rId9"/>
-    <p:sldLayoutId id="2147483671" r:id="rId10"/>
-    <p:sldLayoutId id="2147483672" r:id="rId11"/>
-    <p:sldLayoutId id="2147483673" r:id="rId12"/>
+    <p:sldLayoutId id="2147483675" r:id="rId1"/>
+    <p:sldLayoutId id="2147483676" r:id="rId2"/>
+    <p:sldLayoutId id="2147483677" r:id="rId3"/>
+    <p:sldLayoutId id="2147483678" r:id="rId4"/>
+    <p:sldLayoutId id="2147483679" r:id="rId5"/>
+    <p:sldLayoutId id="2147483680" r:id="rId6"/>
+    <p:sldLayoutId id="2147483681" r:id="rId7"/>
+    <p:sldLayoutId id="2147483682" r:id="rId8"/>
+    <p:sldLayoutId id="2147483683" r:id="rId9"/>
+    <p:sldLayoutId id="2147483684" r:id="rId10"/>
+    <p:sldLayoutId id="2147483685" r:id="rId11"/>
+    <p:sldLayoutId id="2147483686" r:id="rId12"/>
   </p:sldLayoutIdLst>
   <p:hf hdr="0"/>
   <p:txStyles>
@@ -4560,8 +4605,8 @@
         </p:blipFill>
         <p:spPr>
           <a:xfrm>
-            <a:off x="6176766" y="1825625"/>
-            <a:ext cx="5172467" cy="4351338"/>
+            <a:off x="6172200" y="1577097"/>
+            <a:ext cx="5468938" cy="4600743"/>
           </a:xfrm>
           <a:prstGeom prst="rect">
             <a:avLst/>
@@ -4591,7 +4636,7 @@
           <a:p>
             <a:fld id="{E7244459-F2A5-4FF9-8125-3DD79827DEF5}" type="datetime1">
               <a:rPr lang="en-US" smtClean="0"/>
-              <a:t>8/1/2018</a:t>
+              <a:t>8/11/2018</a:t>
             </a:fld>
             <a:endParaRPr lang="en-US" dirty="0"/>
           </a:p>
@@ -5105,7 +5150,7 @@
           <a:p>
             <a:fld id="{E7244459-F2A5-4FF9-8125-3DD79827DEF5}" type="datetime1">
               <a:rPr lang="en-US" smtClean="0"/>
-              <a:t>8/1/2018</a:t>
+              <a:t>8/11/2018</a:t>
             </a:fld>
             <a:endParaRPr lang="en-US" dirty="0"/>
           </a:p>
@@ -5591,7 +5636,7 @@
           <a:p>
             <a:fld id="{E7244459-F2A5-4FF9-8125-3DD79827DEF5}" type="datetime1">
               <a:rPr lang="en-US" smtClean="0"/>
-              <a:t>8/1/2018</a:t>
+              <a:t>8/11/2018</a:t>
             </a:fld>
             <a:endParaRPr lang="en-US" dirty="0"/>
           </a:p>
@@ -5750,8 +5795,8 @@
           </a:p>
         </p:txBody>
       </p:sp>
-      <mc:AlternateContent xmlns:mc="http://schemas.openxmlformats.org/markup-compatibility/2006" xmlns:a14="http://schemas.microsoft.com/office/drawing/2010/main">
-        <mc:Choice Requires="a14">
+      <mc:AlternateContent xmlns:mc="http://schemas.openxmlformats.org/markup-compatibility/2006">
+        <mc:Choice xmlns:a14="http://schemas.microsoft.com/office/drawing/2010/main" Requires="a14">
           <p:sp>
             <p:nvSpPr>
               <p:cNvPr id="8" name="Content Placeholder 7"/>
@@ -5765,7 +5810,7 @@
             <p:spPr/>
             <p:txBody>
               <a:bodyPr>
-                <a:normAutofit fontScale="92500" lnSpcReduction="10000"/>
+                <a:normAutofit lnSpcReduction="10000"/>
               </a:bodyPr>
               <a:lstStyle/>
               <a:p>
@@ -5832,7 +5877,7 @@
             </p:txBody>
           </p:sp>
         </mc:Choice>
-        <mc:Fallback xmlns="">
+        <mc:Fallback>
           <p:sp>
             <p:nvSpPr>
               <p:cNvPr id="8" name="Content Placeholder 7"/>
@@ -5847,7 +5892,7 @@
               <a:blipFill>
                 <a:blip r:embed="rId2"/>
                 <a:stretch>
-                  <a:fillRect l="-856" t="-2601"/>
+                  <a:fillRect l="-963" t="-2647" r="-1391" b="-3008"/>
                 </a:stretch>
               </a:blipFill>
             </p:spPr>
@@ -5884,7 +5929,7 @@
             <a:fld id="{13570084-B57A-493D-8A30-572F2D9F55F8}" type="datetime1">
               <a:rPr lang="en-US" smtClean="0"/>
               <a:pPr/>
-              <a:t>8/1/2018</a:t>
+              <a:t>8/11/2018</a:t>
             </a:fld>
             <a:endParaRPr lang="en-US" dirty="0"/>
           </a:p>
@@ -6014,7 +6059,7 @@
         <p:spPr/>
         <p:txBody>
           <a:bodyPr>
-            <a:normAutofit fontScale="92500" lnSpcReduction="20000"/>
+            <a:normAutofit fontScale="92500" lnSpcReduction="10000"/>
           </a:bodyPr>
           <a:lstStyle/>
           <a:p>
@@ -6107,7 +6152,7 @@
             <a:fld id="{13570084-B57A-493D-8A30-572F2D9F55F8}" type="datetime1">
               <a:rPr lang="en-US" smtClean="0"/>
               <a:pPr/>
-              <a:t>8/1/2018</a:t>
+              <a:t>8/11/2018</a:t>
             </a:fld>
             <a:endParaRPr lang="en-US" dirty="0"/>
           </a:p>
@@ -6293,7 +6338,7 @@
           <a:p>
             <a:fld id="{E7244459-F2A5-4FF9-8125-3DD79827DEF5}" type="datetime1">
               <a:rPr lang="en-US" smtClean="0"/>
-              <a:t>8/1/2018</a:t>
+              <a:t>8/11/2018</a:t>
             </a:fld>
             <a:endParaRPr lang="en-US" dirty="0"/>
           </a:p>
@@ -6590,7 +6635,7 @@
           <a:p>
             <a:fld id="{E7244459-F2A5-4FF9-8125-3DD79827DEF5}" type="datetime1">
               <a:rPr lang="en-US" smtClean="0"/>
-              <a:t>8/1/2018</a:t>
+              <a:t>8/11/2018</a:t>
             </a:fld>
             <a:endParaRPr lang="en-US" dirty="0"/>
           </a:p>
@@ -7627,7 +7672,7 @@
           <a:p>
             <a:fld id="{E7244459-F2A5-4FF9-8125-3DD79827DEF5}" type="datetime1">
               <a:rPr lang="en-US" smtClean="0"/>
-              <a:t>8/1/2018</a:t>
+              <a:t>8/11/2018</a:t>
             </a:fld>
             <a:endParaRPr lang="en-US" dirty="0"/>
           </a:p>
@@ -7748,7 +7793,7 @@
           <a:p>
             <a:fld id="{E7244459-F2A5-4FF9-8125-3DD79827DEF5}" type="datetime1">
               <a:rPr lang="en-US" smtClean="0"/>
-              <a:t>8/1/2018</a:t>
+              <a:t>8/11/2018</a:t>
             </a:fld>
             <a:endParaRPr lang="en-US" dirty="0"/>
           </a:p>
@@ -9029,7 +9074,7 @@
           <a:p>
             <a:fld id="{64FA1387-E9BD-4269-B052-15A23CD1D16B}" type="datetime1">
               <a:rPr lang="en-US" smtClean="0"/>
-              <a:t>8/1/2018</a:t>
+              <a:t>8/11/2018</a:t>
             </a:fld>
             <a:endParaRPr lang="en-US" dirty="0"/>
           </a:p>
@@ -9257,7 +9302,7 @@
             <a:fld id="{13570084-B57A-493D-8A30-572F2D9F55F8}" type="datetime1">
               <a:rPr lang="en-US" smtClean="0"/>
               <a:pPr/>
-              <a:t>8/1/2018</a:t>
+              <a:t>8/11/2018</a:t>
             </a:fld>
             <a:endParaRPr lang="en-US" dirty="0"/>
           </a:p>
@@ -9594,7 +9639,7 @@
           <a:p>
             <a:fld id="{E7244459-F2A5-4FF9-8125-3DD79827DEF5}" type="datetime1">
               <a:rPr lang="en-US" smtClean="0"/>
-              <a:t>8/1/2018</a:t>
+              <a:t>8/11/2018</a:t>
             </a:fld>
             <a:endParaRPr lang="en-US" dirty="0"/>
           </a:p>
@@ -9915,7 +9960,7 @@
           <a:p>
             <a:fld id="{E7244459-F2A5-4FF9-8125-3DD79827DEF5}" type="datetime1">
               <a:rPr lang="en-US" smtClean="0"/>
-              <a:t>8/1/2018</a:t>
+              <a:t>8/11/2018</a:t>
             </a:fld>
             <a:endParaRPr lang="en-US" dirty="0"/>
           </a:p>
@@ -10390,7 +10435,7 @@
           <a:p>
             <a:fld id="{E7244459-F2A5-4FF9-8125-3DD79827DEF5}" type="datetime1">
               <a:rPr lang="en-US" smtClean="0"/>
-              <a:t>8/1/2018</a:t>
+              <a:t>8/11/2018</a:t>
             </a:fld>
             <a:endParaRPr lang="en-US" dirty="0"/>
           </a:p>
@@ -10652,7 +10697,7 @@
           <a:p>
             <a:fld id="{E7244459-F2A5-4FF9-8125-3DD79827DEF5}" type="datetime1">
               <a:rPr lang="en-US" smtClean="0"/>
-              <a:t>8/1/2018</a:t>
+              <a:t>8/11/2018</a:t>
             </a:fld>
             <a:endParaRPr lang="en-US" dirty="0"/>
           </a:p>
@@ -11046,8 +11091,8 @@
         </p:blipFill>
         <p:spPr>
           <a:xfrm>
-            <a:off x="6176766" y="1825625"/>
-            <a:ext cx="5172467" cy="4351338"/>
+            <a:off x="6172200" y="1577097"/>
+            <a:ext cx="5468938" cy="4600743"/>
           </a:xfrm>
           <a:prstGeom prst="rect">
             <a:avLst/>
@@ -11071,7 +11116,7 @@
           <a:p>
             <a:fld id="{E7244459-F2A5-4FF9-8125-3DD79827DEF5}" type="datetime1">
               <a:rPr lang="en-US" smtClean="0"/>
-              <a:t>8/1/2018</a:t>
+              <a:t>8/11/2018</a:t>
             </a:fld>
             <a:endParaRPr lang="en-US" dirty="0"/>
           </a:p>
@@ -11428,7 +11473,7 @@
           <a:p>
             <a:fld id="{E7244459-F2A5-4FF9-8125-3DD79827DEF5}" type="datetime1">
               <a:rPr lang="en-US" smtClean="0"/>
-              <a:t>8/1/2018</a:t>
+              <a:t>8/11/2018</a:t>
             </a:fld>
             <a:endParaRPr lang="en-US" dirty="0"/>
           </a:p>
@@ -11788,7 +11833,7 @@
           <a:p>
             <a:fld id="{E7244459-F2A5-4FF9-8125-3DD79827DEF5}" type="datetime1">
               <a:rPr lang="en-US" smtClean="0"/>
-              <a:t>8/1/2018</a:t>
+              <a:t>8/11/2018</a:t>
             </a:fld>
             <a:endParaRPr lang="en-US" dirty="0"/>
           </a:p>
@@ -12097,7 +12142,7 @@
           <a:p>
             <a:fld id="{E7244459-F2A5-4FF9-8125-3DD79827DEF5}" type="datetime1">
               <a:rPr lang="en-US" smtClean="0"/>
-              <a:t>8/1/2018</a:t>
+              <a:t>8/11/2018</a:t>
             </a:fld>
             <a:endParaRPr lang="en-US" dirty="0"/>
           </a:p>
@@ -12394,7 +12439,7 @@
           <a:p>
             <a:fld id="{E7244459-F2A5-4FF9-8125-3DD79827DEF5}" type="datetime1">
               <a:rPr lang="en-US" smtClean="0"/>
-              <a:t>8/1/2018</a:t>
+              <a:t>8/11/2018</a:t>
             </a:fld>
             <a:endParaRPr lang="en-US" dirty="0"/>
           </a:p>
@@ -12806,7 +12851,7 @@
           <a:p>
             <a:fld id="{E7244459-F2A5-4FF9-8125-3DD79827DEF5}" type="datetime1">
               <a:rPr lang="en-US" smtClean="0"/>
-              <a:t>8/1/2018</a:t>
+              <a:t>8/11/2018</a:t>
             </a:fld>
             <a:endParaRPr lang="en-US" dirty="0"/>
           </a:p>
@@ -13084,7 +13129,7 @@
             <a:fld id="{13570084-B57A-493D-8A30-572F2D9F55F8}" type="datetime1">
               <a:rPr lang="en-US" smtClean="0"/>
               <a:pPr/>
-              <a:t>8/1/2018</a:t>
+              <a:t>8/11/2018</a:t>
             </a:fld>
             <a:endParaRPr lang="en-US" dirty="0"/>
           </a:p>
@@ -13197,7 +13242,9 @@
         </p:nvSpPr>
         <p:spPr/>
         <p:txBody>
-          <a:bodyPr/>
+          <a:bodyPr>
+            <a:normAutofit fontScale="90000"/>
+          </a:bodyPr>
           <a:lstStyle/>
           <a:p>
             <a:r>
@@ -13556,8 +13603,8 @@
         </p:blipFill>
         <p:spPr>
           <a:xfrm>
-            <a:off x="6176766" y="1825625"/>
-            <a:ext cx="5172467" cy="4351338"/>
+            <a:off x="6172200" y="1577097"/>
+            <a:ext cx="5468938" cy="4600743"/>
           </a:xfrm>
           <a:prstGeom prst="rect">
             <a:avLst/>
@@ -13587,7 +13634,7 @@
           <a:p>
             <a:fld id="{E7244459-F2A5-4FF9-8125-3DD79827DEF5}" type="datetime1">
               <a:rPr lang="en-US" smtClean="0"/>
-              <a:t>8/1/2018</a:t>
+              <a:t>8/11/2018</a:t>
             </a:fld>
             <a:endParaRPr lang="en-US" dirty="0"/>
           </a:p>
@@ -13835,7 +13882,7 @@
             <a:fld id="{13570084-B57A-493D-8A30-572F2D9F55F8}" type="datetime1">
               <a:rPr lang="en-US" smtClean="0"/>
               <a:pPr/>
-              <a:t>8/1/2018</a:t>
+              <a:t>8/11/2018</a:t>
             </a:fld>
             <a:endParaRPr lang="en-US" dirty="0"/>
           </a:p>
@@ -14069,7 +14116,7 @@
             <a:fld id="{13570084-B57A-493D-8A30-572F2D9F55F8}" type="datetime1">
               <a:rPr lang="en-US" smtClean="0"/>
               <a:pPr/>
-              <a:t>8/1/2018</a:t>
+              <a:t>8/11/2018</a:t>
             </a:fld>
             <a:endParaRPr lang="en-US" dirty="0"/>
           </a:p>
@@ -15391,7 +15438,7 @@
             <a:fld id="{13570084-B57A-493D-8A30-572F2D9F55F8}" type="datetime1">
               <a:rPr lang="en-US" smtClean="0"/>
               <a:pPr/>
-              <a:t>8/1/2018</a:t>
+              <a:t>8/11/2018</a:t>
             </a:fld>
             <a:endParaRPr lang="en-US" dirty="0"/>
           </a:p>
@@ -15576,8 +15623,8 @@
         </p:blipFill>
         <p:spPr>
           <a:xfrm>
-            <a:off x="6176766" y="1825625"/>
-            <a:ext cx="5172467" cy="4351338"/>
+            <a:off x="6172200" y="1577097"/>
+            <a:ext cx="5468938" cy="4600743"/>
           </a:xfrm>
           <a:prstGeom prst="rect">
             <a:avLst/>
@@ -15608,7 +15655,7 @@
             <a:fld id="{13570084-B57A-493D-8A30-572F2D9F55F8}" type="datetime1">
               <a:rPr lang="en-US" smtClean="0"/>
               <a:pPr/>
-              <a:t>8/1/2018</a:t>
+              <a:t>8/11/2018</a:t>
             </a:fld>
             <a:endParaRPr lang="en-US" dirty="0"/>
           </a:p>
@@ -16270,7 +16317,7 @@
           <a:p>
             <a:fld id="{E7244459-F2A5-4FF9-8125-3DD79827DEF5}" type="datetime1">
               <a:rPr lang="en-US" smtClean="0"/>
-              <a:t>8/1/2018</a:t>
+              <a:t>8/11/2018</a:t>
             </a:fld>
             <a:endParaRPr lang="en-US" dirty="0"/>
           </a:p>
@@ -16694,7 +16741,7 @@
           <a:p>
             <a:fld id="{E7244459-F2A5-4FF9-8125-3DD79827DEF5}" type="datetime1">
               <a:rPr lang="en-US" smtClean="0"/>
-              <a:t>8/1/2018</a:t>
+              <a:t>8/11/2018</a:t>
             </a:fld>
             <a:endParaRPr lang="en-US" dirty="0"/>
           </a:p>
@@ -17044,7 +17091,7 @@
           <a:p>
             <a:fld id="{E7244459-F2A5-4FF9-8125-3DD79827DEF5}" type="datetime1">
               <a:rPr lang="en-US" smtClean="0"/>
-              <a:t>8/1/2018</a:t>
+              <a:t>8/11/2018</a:t>
             </a:fld>
             <a:endParaRPr lang="en-US" dirty="0"/>
           </a:p>
@@ -17376,7 +17423,7 @@
   <a:extraClrSchemeLst/>
   <a:extLst>
     <a:ext uri="{05A4C25C-085E-4340-85A3-A5531E510DB2}">
-      <thm15:themeFamily xmlns:thm15="http://schemas.microsoft.com/office/thememl/2012/main" name="Lesson 12 - Data Analytics - GLMs" id="{2D671843-01B0-4809-83B7-DCD6022711AC}" vid="{631529AC-459A-4F8A-9050-54C0368E42C7}"/>
+      <thm15:themeFamily xmlns:thm15="http://schemas.microsoft.com/office/thememl/2012/main" name="Analytics_World" id="{0D0CA6F4-4249-491F-90A1-38D2E759BAFB}" vid="{73C02A8C-8EF0-4E7B-9EF2-CA7EFEB1E564}"/>
     </a:ext>
   </a:extLst>
 </a:theme>
